--- a/03/03__InterfaceSpecification.pptx
+++ b/03/03__InterfaceSpecification.pptx
@@ -745,8 +745,8 @@
         </p:nvSpPr>
         <p:spPr>
           <a:xfrm>
-            <a:off x="381300" y="685800"/>
-            <a:ext cx="6096075" cy="3429000"/>
+            <a:off x="381000" y="685800"/>
+            <a:ext cx="6096000" cy="3429000"/>
           </a:xfrm>
           <a:custGeom>
             <a:avLst/>
@@ -7608,10 +7608,10 @@
               <a:buNone/>
             </a:pPr>
             <a:r>
-              <a:rPr lang="en"/>
-              <a:t>Melissa Winstanley</a:t>
+              <a:rPr lang="en-US" dirty="0"/>
+              <a:t>Naomi Alterman</a:t>
             </a:r>
-            <a:endParaRPr/>
+            <a:endParaRPr dirty="0"/>
           </a:p>
           <a:p>
             <a:pPr marL="0" lvl="0" indent="0" algn="ctr" rtl="0">
@@ -7629,10 +7629,10 @@
               <a:buNone/>
             </a:pPr>
             <a:r>
-              <a:rPr lang="en"/>
+              <a:rPr lang="en" dirty="0"/>
               <a:t>University of Washington</a:t>
             </a:r>
-            <a:endParaRPr/>
+            <a:endParaRPr dirty="0"/>
           </a:p>
           <a:p>
             <a:pPr marL="0" lvl="0" indent="0" algn="ctr" rtl="0">
@@ -7651,9 +7651,9 @@
             </a:pPr>
             <a:r>
               <a:rPr lang="en"/>
-              <a:t>January 23, 2025</a:t>
+              <a:t>January 20, 2026</a:t>
             </a:r>
-            <a:endParaRPr/>
+            <a:endParaRPr dirty="0"/>
           </a:p>
         </p:txBody>
       </p:sp>

--- a/03/03__InterfaceSpecification.pptx
+++ b/03/03__InterfaceSpecification.pptx
@@ -22,8 +22,8 @@
     <p:sldId id="267" r:id="rId13"/>
     <p:sldId id="268" r:id="rId14"/>
     <p:sldId id="269" r:id="rId15"/>
-    <p:sldId id="270" r:id="rId16"/>
-    <p:sldId id="271" r:id="rId17"/>
+    <p:sldId id="271" r:id="rId16"/>
+    <p:sldId id="270" r:id="rId17"/>
   </p:sldIdLst>
   <p:sldSz cx="9144000" cy="5143500" type="screen16x9"/>
   <p:notesSz cx="6858000" cy="9144000"/>
@@ -7650,7 +7650,7 @@
               <a:buNone/>
             </a:pPr>
             <a:r>
-              <a:rPr lang="en"/>
+              <a:rPr lang="en" dirty="0"/>
               <a:t>January 20, 2026</a:t>
             </a:r>
             <a:endParaRPr dirty="0"/>
@@ -8741,6 +8741,171 @@
 </file>
 
 <file path=ppt/slides/slide15.xml><?xml version="1.0" encoding="utf-8"?>
+<p:sld xmlns:a="http://schemas.openxmlformats.org/drawingml/2006/main" xmlns:r="http://schemas.openxmlformats.org/officeDocument/2006/relationships" xmlns:p="http://schemas.openxmlformats.org/presentationml/2006/main">
+  <p:cSld>
+    <p:spTree>
+      <p:nvGrpSpPr>
+        <p:cNvPr id="1" name=""/>
+        <p:cNvGrpSpPr/>
+        <p:nvPr/>
+      </p:nvGrpSpPr>
+      <p:grpSpPr>
+        <a:xfrm>
+          <a:off x="0" y="0"/>
+          <a:ext cx="0" cy="0"/>
+          <a:chOff x="0" y="0"/>
+          <a:chExt cx="0" cy="0"/>
+        </a:xfrm>
+      </p:grpSpPr>
+      <p:sp>
+        <p:nvSpPr>
+          <p:cNvPr id="2" name="Title 1">
+            <a:extLst>
+              <a:ext uri="{FF2B5EF4-FFF2-40B4-BE49-F238E27FC236}">
+                <a16:creationId xmlns:a16="http://schemas.microsoft.com/office/drawing/2014/main" id="{1BFB946F-C369-A713-7929-63D0339B1075}"/>
+              </a:ext>
+            </a:extLst>
+          </p:cNvPr>
+          <p:cNvSpPr>
+            <a:spLocks noGrp="1"/>
+          </p:cNvSpPr>
+          <p:nvPr>
+            <p:ph type="title"/>
+          </p:nvPr>
+        </p:nvSpPr>
+        <p:spPr/>
+        <p:txBody>
+          <a:bodyPr>
+            <a:normAutofit fontScale="90000"/>
+          </a:bodyPr>
+          <a:lstStyle/>
+          <a:p>
+            <a:r>
+              <a:rPr lang="en-US" dirty="0"/>
+              <a:t>Function Book Report</a:t>
+            </a:r>
+          </a:p>
+        </p:txBody>
+      </p:sp>
+      <p:sp>
+        <p:nvSpPr>
+          <p:cNvPr id="3" name="Text Placeholder 2">
+            <a:extLst>
+              <a:ext uri="{FF2B5EF4-FFF2-40B4-BE49-F238E27FC236}">
+                <a16:creationId xmlns:a16="http://schemas.microsoft.com/office/drawing/2014/main" id="{C4999B2E-EE22-852D-5CDF-65F5A1502490}"/>
+              </a:ext>
+            </a:extLst>
+          </p:cNvPr>
+          <p:cNvSpPr>
+            <a:spLocks noGrp="1"/>
+          </p:cNvSpPr>
+          <p:nvPr>
+            <p:ph type="body" idx="1"/>
+          </p:nvPr>
+        </p:nvSpPr>
+        <p:spPr>
+          <a:xfrm>
+            <a:off x="311700" y="1152475"/>
+            <a:ext cx="7540213" cy="3416400"/>
+          </a:xfrm>
+        </p:spPr>
+        <p:txBody>
+          <a:bodyPr>
+            <a:normAutofit/>
+          </a:bodyPr>
+          <a:lstStyle/>
+          <a:p>
+            <a:r>
+              <a:rPr lang="en-US" dirty="0"/>
+              <a:t>In a blank google doc</a:t>
+            </a:r>
+          </a:p>
+          <a:p>
+            <a:pPr lvl="1"/>
+            <a:r>
+              <a:rPr lang="en-US" dirty="0"/>
+              <a:t>Pick a function you’ve used in HW1 or HW2 (or just one that you’re curious about) and learn more about it</a:t>
+            </a:r>
+          </a:p>
+          <a:p>
+            <a:pPr lvl="1"/>
+            <a:r>
+              <a:rPr lang="en-US" dirty="0"/>
+              <a:t>Find its official documentation and link to it</a:t>
+            </a:r>
+          </a:p>
+          <a:p>
+            <a:pPr lvl="1"/>
+            <a:r>
+              <a:rPr lang="en-US" dirty="0"/>
+              <a:t>Explicitly identify the following:</a:t>
+            </a:r>
+          </a:p>
+          <a:p>
+            <a:pPr lvl="2"/>
+            <a:r>
+              <a:rPr lang="en-US" dirty="0"/>
+              <a:t>Name</a:t>
+            </a:r>
+          </a:p>
+          <a:p>
+            <a:pPr lvl="2"/>
+            <a:r>
+              <a:rPr lang="en-US" dirty="0"/>
+              <a:t>Arguments</a:t>
+            </a:r>
+          </a:p>
+          <a:p>
+            <a:pPr lvl="2"/>
+            <a:r>
+              <a:rPr lang="en-US" dirty="0"/>
+              <a:t>Return values</a:t>
+            </a:r>
+          </a:p>
+          <a:p>
+            <a:pPr lvl="2"/>
+            <a:r>
+              <a:rPr lang="en-US" dirty="0"/>
+              <a:t>Side effects</a:t>
+            </a:r>
+          </a:p>
+          <a:p>
+            <a:pPr lvl="2"/>
+            <a:r>
+              <a:rPr lang="en-US" dirty="0"/>
+              <a:t>Edge cases</a:t>
+            </a:r>
+          </a:p>
+          <a:p>
+            <a:pPr lvl="2"/>
+            <a:r>
+              <a:rPr lang="en-US" dirty="0"/>
+              <a:t>Exceptions</a:t>
+            </a:r>
+          </a:p>
+          <a:p>
+            <a:pPr lvl="2"/>
+            <a:r>
+              <a:rPr lang="en-US" dirty="0"/>
+              <a:t>Examples</a:t>
+            </a:r>
+          </a:p>
+        </p:txBody>
+      </p:sp>
+    </p:spTree>
+    <p:extLst>
+      <p:ext uri="{BB962C8B-B14F-4D97-AF65-F5344CB8AC3E}">
+        <p14:creationId xmlns:p14="http://schemas.microsoft.com/office/powerpoint/2010/main" val="934112975"/>
+      </p:ext>
+    </p:extLst>
+  </p:cSld>
+  <p:clrMapOvr>
+    <a:masterClrMapping/>
+  </p:clrMapOvr>
+</p:sld>
+</file>
+
+<file path=ppt/slides/slide16.xml><?xml version="1.0" encoding="utf-8"?>
 <p:sld xmlns:a="http://schemas.openxmlformats.org/drawingml/2006/main" xmlns:r="http://schemas.openxmlformats.org/officeDocument/2006/relationships" xmlns:p="http://schemas.openxmlformats.org/presentationml/2006/main">
   <p:cSld>
     <p:spTree>
@@ -9250,174 +9415,6 @@
       </p:par>
     </p:tnLst>
   </p:timing>
-</p:sld>
-</file>
-
-<file path=ppt/slides/slide16.xml><?xml version="1.0" encoding="utf-8"?>
-<p:sld xmlns:a="http://schemas.openxmlformats.org/drawingml/2006/main" xmlns:r="http://schemas.openxmlformats.org/officeDocument/2006/relationships" xmlns:p="http://schemas.openxmlformats.org/presentationml/2006/main">
-  <p:cSld>
-    <p:spTree>
-      <p:nvGrpSpPr>
-        <p:cNvPr id="1" name=""/>
-        <p:cNvGrpSpPr/>
-        <p:nvPr/>
-      </p:nvGrpSpPr>
-      <p:grpSpPr>
-        <a:xfrm>
-          <a:off x="0" y="0"/>
-          <a:ext cx="0" cy="0"/>
-          <a:chOff x="0" y="0"/>
-          <a:chExt cx="0" cy="0"/>
-        </a:xfrm>
-      </p:grpSpPr>
-      <p:sp>
-        <p:nvSpPr>
-          <p:cNvPr id="2" name="Title 1">
-            <a:extLst>
-              <a:ext uri="{FF2B5EF4-FFF2-40B4-BE49-F238E27FC236}">
-                <a16:creationId xmlns:a16="http://schemas.microsoft.com/office/drawing/2014/main" id="{1BFB946F-C369-A713-7929-63D0339B1075}"/>
-              </a:ext>
-            </a:extLst>
-          </p:cNvPr>
-          <p:cNvSpPr>
-            <a:spLocks noGrp="1"/>
-          </p:cNvSpPr>
-          <p:nvPr>
-            <p:ph type="title"/>
-          </p:nvPr>
-        </p:nvSpPr>
-        <p:spPr/>
-        <p:txBody>
-          <a:bodyPr>
-            <a:normAutofit fontScale="90000"/>
-          </a:bodyPr>
-          <a:lstStyle/>
-          <a:p>
-            <a:r>
-              <a:rPr lang="en-US" dirty="0"/>
-              <a:t>TODO</a:t>
-            </a:r>
-          </a:p>
-        </p:txBody>
-      </p:sp>
-      <p:sp>
-        <p:nvSpPr>
-          <p:cNvPr id="3" name="Text Placeholder 2">
-            <a:extLst>
-              <a:ext uri="{FF2B5EF4-FFF2-40B4-BE49-F238E27FC236}">
-                <a16:creationId xmlns:a16="http://schemas.microsoft.com/office/drawing/2014/main" id="{C4999B2E-EE22-852D-5CDF-65F5A1502490}"/>
-              </a:ext>
-            </a:extLst>
-          </p:cNvPr>
-          <p:cNvSpPr>
-            <a:spLocks noGrp="1"/>
-          </p:cNvSpPr>
-          <p:nvPr>
-            <p:ph type="body" idx="1"/>
-          </p:nvPr>
-        </p:nvSpPr>
-        <p:spPr/>
-        <p:txBody>
-          <a:bodyPr>
-            <a:normAutofit/>
-          </a:bodyPr>
-          <a:lstStyle/>
-          <a:p>
-            <a:r>
-              <a:rPr lang="en-US" dirty="0"/>
-              <a:t>Function book report:</a:t>
-            </a:r>
-          </a:p>
-          <a:p>
-            <a:pPr lvl="1"/>
-            <a:r>
-              <a:rPr lang="en-US" dirty="0"/>
-              <a:t>New google doc</a:t>
-            </a:r>
-          </a:p>
-          <a:p>
-            <a:pPr lvl="1"/>
-            <a:r>
-              <a:rPr lang="en-US" dirty="0"/>
-              <a:t>Take a </a:t>
-            </a:r>
-            <a:r>
-              <a:rPr lang="en-US" dirty="0" err="1"/>
-              <a:t>func</a:t>
-            </a:r>
-            <a:r>
-              <a:rPr lang="en-US" dirty="0"/>
-              <a:t> from your HW2, find its documentation (must link, not chatbot)</a:t>
-            </a:r>
-          </a:p>
-          <a:p>
-            <a:pPr lvl="1"/>
-            <a:r>
-              <a:rPr lang="en-US" dirty="0"/>
-              <a:t>Answer the following:</a:t>
-            </a:r>
-          </a:p>
-          <a:p>
-            <a:pPr lvl="2"/>
-            <a:r>
-              <a:rPr lang="en-US" dirty="0"/>
-              <a:t>Name</a:t>
-            </a:r>
-          </a:p>
-          <a:p>
-            <a:pPr lvl="2"/>
-            <a:r>
-              <a:rPr lang="en-US" dirty="0"/>
-              <a:t>Arguments</a:t>
-            </a:r>
-          </a:p>
-          <a:p>
-            <a:pPr lvl="2"/>
-            <a:r>
-              <a:rPr lang="en-US" dirty="0"/>
-              <a:t>Return values</a:t>
-            </a:r>
-          </a:p>
-          <a:p>
-            <a:pPr lvl="2"/>
-            <a:r>
-              <a:rPr lang="en-US" dirty="0"/>
-              <a:t>Side effects</a:t>
-            </a:r>
-          </a:p>
-          <a:p>
-            <a:pPr lvl="2"/>
-            <a:r>
-              <a:rPr lang="en-US" dirty="0"/>
-              <a:t>Edge cases</a:t>
-            </a:r>
-          </a:p>
-          <a:p>
-            <a:pPr lvl="2"/>
-            <a:r>
-              <a:rPr lang="en-US" dirty="0"/>
-              <a:t>Exceptions</a:t>
-            </a:r>
-          </a:p>
-          <a:p>
-            <a:pPr lvl="2"/>
-            <a:r>
-              <a:rPr lang="en-US" dirty="0"/>
-              <a:t>Examples</a:t>
-            </a:r>
-          </a:p>
-        </p:txBody>
-      </p:sp>
-    </p:spTree>
-    <p:extLst>
-      <p:ext uri="{BB962C8B-B14F-4D97-AF65-F5344CB8AC3E}">
-        <p14:creationId xmlns:p14="http://schemas.microsoft.com/office/powerpoint/2010/main" val="934112975"/>
-      </p:ext>
-    </p:extLst>
-  </p:cSld>
-  <p:clrMapOvr>
-    <a:masterClrMapping/>
-  </p:clrMapOvr>
 </p:sld>
 </file>
 
